--- a/OSI_TCP.pptx
+++ b/OSI_TCP.pptx
@@ -104,6 +104,11 @@
       </a:defRPr>
     </a:lvl9pPr>
   </p:defaultTextStyle>
+  <p:extLst>
+    <p:ext uri="{EFAFB233-063F-42B5-8137-9DF3F51BA10A}">
+      <p15:sldGuideLst xmlns:p15="http://schemas.microsoft.com/office/powerpoint/2012/main"/>
+    </p:ext>
+  </p:extLst>
 </p:presentation>
 </file>
 
@@ -3336,7 +3341,7 @@
           <p:nvPr>
             <p:extLst>
               <p:ext uri="{D42A27DB-BD31-4B8C-83A1-F6EECF244321}">
-                <p14:modId xmlns:p14="http://schemas.microsoft.com/office/powerpoint/2010/main" val="536519951"/>
+                <p14:modId xmlns:p14="http://schemas.microsoft.com/office/powerpoint/2010/main" val="328028344"/>
               </p:ext>
             </p:extLst>
           </p:nvPr>
@@ -3868,7 +3873,7 @@
                       <a:pPr algn="ctr" latinLnBrk="1"/>
                       <a:r>
                         <a:rPr lang="en-US" altLang="ko-KR" sz="2800" dirty="0"/>
-                        <a:t>FTP, SSH, …</a:t>
+                        <a:t>FTP, SSH, DNS, …</a:t>
                       </a:r>
                       <a:endParaRPr lang="ko-KR" altLang="en-US" sz="2800" dirty="0"/>
                     </a:p>
@@ -4926,7 +4931,7 @@
                       <a:pPr algn="ctr" latinLnBrk="1"/>
                       <a:r>
                         <a:rPr lang="en-US" altLang="ko-KR" sz="2800" dirty="0"/>
-                        <a:t>IPv6</a:t>
+                        <a:t>IPv6, ARP</a:t>
                       </a:r>
                       <a:endParaRPr lang="ko-KR" altLang="en-US" sz="2800" dirty="0"/>
                     </a:p>
